--- a/H2DB_SpringWebBoardProject/H2 DataBase_Spring을_이용한_Web게시판.pptx
+++ b/H2DB_SpringWebBoardProject/H2 DataBase_Spring을_이용한_Web게시판.pptx
@@ -352,7 +352,7 @@
             <a:fld id="{B61BEF0D-F0BB-DE4B-95CE-6DB70DBA9567}" type="datetimeFigureOut">
               <a:rPr lang="en-US" dirty="0"/>
               <a:pPr/>
-              <a:t>11/12/2022</a:t>
+              <a:t>11/18/2022</a:t>
             </a:fld>
             <a:endParaRPr lang="en-US" dirty="0"/>
           </a:p>
@@ -687,7 +687,7 @@
             <a:fld id="{B61BEF0D-F0BB-DE4B-95CE-6DB70DBA9567}" type="datetimeFigureOut">
               <a:rPr lang="en-US" dirty="0"/>
               <a:pPr/>
-              <a:t>11/12/2022</a:t>
+              <a:t>11/18/2022</a:t>
             </a:fld>
             <a:endParaRPr lang="en-US" dirty="0"/>
           </a:p>
@@ -1085,7 +1085,7 @@
             <a:fld id="{B61BEF0D-F0BB-DE4B-95CE-6DB70DBA9567}" type="datetimeFigureOut">
               <a:rPr lang="en-US" dirty="0"/>
               <a:pPr/>
-              <a:t>11/12/2022</a:t>
+              <a:t>11/18/2022</a:t>
             </a:fld>
             <a:endParaRPr lang="en-US" dirty="0"/>
           </a:p>
@@ -1418,7 +1418,7 @@
             <a:fld id="{B61BEF0D-F0BB-DE4B-95CE-6DB70DBA9567}" type="datetimeFigureOut">
               <a:rPr lang="en-US" dirty="0"/>
               <a:pPr/>
-              <a:t>11/12/2022</a:t>
+              <a:t>11/18/2022</a:t>
             </a:fld>
             <a:endParaRPr lang="en-US" dirty="0"/>
           </a:p>
@@ -1735,7 +1735,7 @@
             <a:fld id="{B61BEF0D-F0BB-DE4B-95CE-6DB70DBA9567}" type="datetimeFigureOut">
               <a:rPr lang="en-US" dirty="0"/>
               <a:pPr/>
-              <a:t>11/12/2022</a:t>
+              <a:t>11/18/2022</a:t>
             </a:fld>
             <a:endParaRPr lang="en-US" dirty="0"/>
           </a:p>
@@ -2128,7 +2128,7 @@
             <a:fld id="{B61BEF0D-F0BB-DE4B-95CE-6DB70DBA9567}" type="datetimeFigureOut">
               <a:rPr lang="en-US" dirty="0"/>
               <a:pPr/>
-              <a:t>11/12/2022</a:t>
+              <a:t>11/18/2022</a:t>
             </a:fld>
             <a:endParaRPr lang="en-US" dirty="0"/>
           </a:p>
@@ -2382,7 +2382,7 @@
             <a:fld id="{B61BEF0D-F0BB-DE4B-95CE-6DB70DBA9567}" type="datetimeFigureOut">
               <a:rPr lang="en-US" dirty="0"/>
               <a:pPr/>
-              <a:t>11/12/2022</a:t>
+              <a:t>11/18/2022</a:t>
             </a:fld>
             <a:endParaRPr lang="en-US" dirty="0"/>
           </a:p>
@@ -2641,7 +2641,7 @@
             <a:fld id="{B61BEF0D-F0BB-DE4B-95CE-6DB70DBA9567}" type="datetimeFigureOut">
               <a:rPr lang="en-US" dirty="0"/>
               <a:pPr/>
-              <a:t>11/12/2022</a:t>
+              <a:t>11/18/2022</a:t>
             </a:fld>
             <a:endParaRPr lang="en-US" dirty="0"/>
           </a:p>
@@ -2900,7 +2900,7 @@
             <a:fld id="{B61BEF0D-F0BB-DE4B-95CE-6DB70DBA9567}" type="datetimeFigureOut">
               <a:rPr lang="en-US" dirty="0"/>
               <a:pPr/>
-              <a:t>11/12/2022</a:t>
+              <a:t>11/18/2022</a:t>
             </a:fld>
             <a:endParaRPr lang="en-US" dirty="0"/>
           </a:p>
@@ -3226,7 +3226,7 @@
             <a:fld id="{B61BEF0D-F0BB-DE4B-95CE-6DB70DBA9567}" type="datetimeFigureOut">
               <a:rPr lang="en-US" dirty="0"/>
               <a:pPr/>
-              <a:t>11/12/2022</a:t>
+              <a:t>11/18/2022</a:t>
             </a:fld>
             <a:endParaRPr lang="en-US" dirty="0"/>
           </a:p>
@@ -3546,7 +3546,7 @@
             <a:fld id="{B61BEF0D-F0BB-DE4B-95CE-6DB70DBA9567}" type="datetimeFigureOut">
               <a:rPr lang="en-US" dirty="0"/>
               <a:pPr/>
-              <a:t>11/12/2022</a:t>
+              <a:t>11/18/2022</a:t>
             </a:fld>
             <a:endParaRPr lang="en-US" dirty="0"/>
           </a:p>
@@ -4000,7 +4000,7 @@
             <a:fld id="{B61BEF0D-F0BB-DE4B-95CE-6DB70DBA9567}" type="datetimeFigureOut">
               <a:rPr lang="en-US" dirty="0"/>
               <a:pPr/>
-              <a:t>11/12/2022</a:t>
+              <a:t>11/18/2022</a:t>
             </a:fld>
             <a:endParaRPr lang="en-US" dirty="0"/>
           </a:p>
@@ -4202,7 +4202,7 @@
             <a:fld id="{B61BEF0D-F0BB-DE4B-95CE-6DB70DBA9567}" type="datetimeFigureOut">
               <a:rPr lang="en-US" dirty="0"/>
               <a:pPr/>
-              <a:t>11/12/2022</a:t>
+              <a:t>11/18/2022</a:t>
             </a:fld>
             <a:endParaRPr lang="en-US" dirty="0"/>
           </a:p>
@@ -4376,7 +4376,7 @@
             <a:fld id="{B61BEF0D-F0BB-DE4B-95CE-6DB70DBA9567}" type="datetimeFigureOut">
               <a:rPr lang="en-US" dirty="0"/>
               <a:pPr/>
-              <a:t>11/12/2022</a:t>
+              <a:t>11/18/2022</a:t>
             </a:fld>
             <a:endParaRPr lang="en-US" dirty="0"/>
           </a:p>
@@ -4706,7 +4706,7 @@
             <a:fld id="{B61BEF0D-F0BB-DE4B-95CE-6DB70DBA9567}" type="datetimeFigureOut">
               <a:rPr lang="en-US" dirty="0"/>
               <a:pPr/>
-              <a:t>11/12/2022</a:t>
+              <a:t>11/18/2022</a:t>
             </a:fld>
             <a:endParaRPr lang="en-US" dirty="0"/>
           </a:p>
@@ -5048,7 +5048,7 @@
             <a:fld id="{B61BEF0D-F0BB-DE4B-95CE-6DB70DBA9567}" type="datetimeFigureOut">
               <a:rPr lang="en-US" dirty="0"/>
               <a:pPr/>
-              <a:t>11/12/2022</a:t>
+              <a:t>11/18/2022</a:t>
             </a:fld>
             <a:endParaRPr lang="en-US" dirty="0"/>
           </a:p>
@@ -7162,7 +7162,7 @@
             <a:fld id="{B61BEF0D-F0BB-DE4B-95CE-6DB70DBA9567}" type="datetimeFigureOut">
               <a:rPr lang="en-US" dirty="0"/>
               <a:pPr/>
-              <a:t>11/12/2022</a:t>
+              <a:t>11/18/2022</a:t>
             </a:fld>
             <a:endParaRPr lang="en-US" dirty="0"/>
           </a:p>
@@ -7701,19 +7701,11 @@
             <a:pPr algn="r"/>
             <a:r>
               <a:rPr lang="en-US" altLang="ko-KR" b="1" smtClean="0"/>
-              <a:t>H2 </a:t>
-            </a:r>
-            <a:r>
-              <a:rPr lang="en-US" altLang="ko-KR" b="1" smtClean="0"/>
-              <a:t>DataBase, Spring</a:t>
+              <a:t>H2 DataBase, Spring</a:t>
             </a:r>
             <a:r>
               <a:rPr lang="ko-KR" altLang="en-US" b="1" smtClean="0"/>
-              <a:t>을 </a:t>
-            </a:r>
-            <a:r>
-              <a:rPr lang="ko-KR" altLang="en-US" b="1" smtClean="0"/>
-              <a:t>이용한</a:t>
+              <a:t>을 이용한</a:t>
             </a:r>
             <a:r>
               <a:rPr lang="en-US" altLang="ko-KR" b="1" smtClean="0"/>
@@ -13701,8 +13693,8 @@
         </p:nvSpPr>
         <p:spPr>
           <a:xfrm>
-            <a:off x="1562179" y="1535668"/>
-            <a:ext cx="4517987" cy="7848302"/>
+            <a:off x="2914461" y="1394000"/>
+            <a:ext cx="4517987" cy="6740307"/>
           </a:xfrm>
           <a:prstGeom prst="rect">
             <a:avLst/>
@@ -13714,225 +13706,160 @@
             <a:spAutoFit/>
           </a:bodyPr>
           <a:lstStyle/>
+          <a:p>
+            <a:r>
+              <a:rPr lang="ko-KR" altLang="en-US" b="1" smtClean="0"/>
+              <a:t>기술요소</a:t>
+            </a:r>
+            <a:endParaRPr lang="en-US" altLang="ko-KR" b="1" smtClean="0"/>
+          </a:p>
+          <a:p>
+            <a:r>
+              <a:rPr lang="en-US" altLang="ko-KR" b="1"/>
+              <a:t> </a:t>
+            </a:r>
+            <a:r>
+              <a:rPr lang="en-US" altLang="ko-KR" sz="1400" b="1" smtClean="0"/>
+              <a:t>-spring, mybatis, h2</a:t>
+            </a:r>
+          </a:p>
+          <a:p>
+            <a:endParaRPr lang="en-US" altLang="ko-KR" b="1" smtClean="0"/>
+          </a:p>
+          <a:p>
+            <a:r>
+              <a:rPr lang="en-US" altLang="ko-KR" b="1" smtClean="0"/>
+              <a:t>MVC</a:t>
+            </a:r>
+          </a:p>
+          <a:p>
+            <a:r>
+              <a:rPr lang="en-US" altLang="ko-KR" b="1"/>
+              <a:t> </a:t>
+            </a:r>
+            <a:r>
+              <a:rPr lang="en-US" altLang="ko-KR" sz="1400" b="1" smtClean="0"/>
+              <a:t>-1</a:t>
+            </a:r>
+            <a:r>
+              <a:rPr lang="ko-KR" altLang="en-US" sz="1400" b="1" smtClean="0"/>
+              <a:t>패턴</a:t>
+            </a:r>
+            <a:endParaRPr lang="en-US" altLang="ko-KR" sz="1400" b="1" smtClean="0"/>
+          </a:p>
+          <a:p>
+            <a:r>
+              <a:rPr lang="en-US" altLang="ko-KR" sz="1400" b="1"/>
+              <a:t> </a:t>
+            </a:r>
+            <a:r>
+              <a:rPr lang="en-US" altLang="ko-KR" sz="1400" b="1" smtClean="0"/>
+              <a:t>-2</a:t>
+            </a:r>
+            <a:r>
+              <a:rPr lang="ko-KR" altLang="en-US" sz="1400" b="1" smtClean="0"/>
+              <a:t>패턴</a:t>
+            </a:r>
+            <a:endParaRPr lang="en-US" altLang="ko-KR" sz="1400" b="1" smtClean="0"/>
+          </a:p>
+          <a:p>
+            <a:endParaRPr lang="en-US" altLang="ko-KR" b="1" smtClean="0"/>
+          </a:p>
+          <a:p>
+            <a:r>
+              <a:rPr lang="en-US" altLang="ko-KR" b="1" smtClean="0"/>
+              <a:t>Servlet</a:t>
+            </a:r>
+          </a:p>
+          <a:p>
+            <a:r>
+              <a:rPr lang="en-US" altLang="ko-KR" b="1"/>
+              <a:t> </a:t>
+            </a:r>
+            <a:r>
+              <a:rPr lang="en-US" altLang="ko-KR" sz="1400" b="1" smtClean="0"/>
+              <a:t>-DispatcherServlet</a:t>
+            </a:r>
+          </a:p>
+          <a:p>
+            <a:r>
+              <a:rPr lang="en-US" altLang="ko-KR" sz="1400" b="1"/>
+              <a:t> </a:t>
+            </a:r>
+            <a:r>
+              <a:rPr lang="en-US" altLang="ko-KR" sz="1400" b="1" smtClean="0"/>
+              <a:t>-HttpServletRequest</a:t>
+            </a:r>
+          </a:p>
+          <a:p>
+            <a:r>
+              <a:rPr lang="en-US" altLang="ko-KR" sz="1400" b="1"/>
+              <a:t> </a:t>
+            </a:r>
+            <a:r>
+              <a:rPr lang="en-US" altLang="ko-KR" sz="1400" b="1" smtClean="0"/>
+              <a:t>-RequestMethod</a:t>
+            </a:r>
+            <a:endParaRPr lang="en-US" altLang="ko-KR" sz="1400" b="1" smtClean="0"/>
+          </a:p>
           <a:p>
             <a:pPr marL="285750" indent="-285750">
               <a:buFont typeface="Arial" panose="020B0604020202020204" pitchFamily="34" charset="0"/>
               <a:buChar char="•"/>
             </a:pPr>
+            <a:endParaRPr lang="en-US" altLang="ko-KR" b="1" smtClean="0"/>
+          </a:p>
+          <a:p>
             <a:r>
               <a:rPr lang="en-US" altLang="ko-KR" b="1" smtClean="0"/>
-              <a:t>spring, mybatis, h2 database</a:t>
-            </a:r>
+              <a:t>HttpSession</a:t>
+            </a:r>
+          </a:p>
+          <a:p>
+            <a:r>
+              <a:rPr lang="en-US" altLang="ko-KR" b="1"/>
+              <a:t> </a:t>
+            </a:r>
+            <a:r>
+              <a:rPr lang="en-US" altLang="ko-KR" sz="1400" b="1" smtClean="0"/>
+              <a:t>-@modelAttribute</a:t>
+            </a:r>
+            <a:endParaRPr lang="en-US" altLang="ko-KR" sz="1400" b="1" smtClean="0"/>
           </a:p>
           <a:p>
             <a:pPr marL="285750" indent="-285750">
               <a:buFont typeface="Arial" panose="020B0604020202020204" pitchFamily="34" charset="0"/>
               <a:buChar char="•"/>
             </a:pPr>
+            <a:endParaRPr lang="en-US" altLang="ko-KR" b="1" smtClean="0"/>
+          </a:p>
+          <a:p>
             <a:r>
               <a:rPr lang="en-US" altLang="ko-KR" b="1" smtClean="0"/>
-              <a:t>MVC1 </a:t>
-            </a:r>
-            <a:r>
-              <a:rPr lang="ko-KR" altLang="en-US" b="1" smtClean="0"/>
-              <a:t>패턴</a:t>
-            </a:r>
-            <a:endParaRPr lang="en-US" altLang="ko-KR" b="1" smtClean="0"/>
+              <a:t>ContextLoaderListener</a:t>
+            </a:r>
           </a:p>
           <a:p>
             <a:pPr marL="285750" indent="-285750">
               <a:buFont typeface="Arial" panose="020B0604020202020204" pitchFamily="34" charset="0"/>
               <a:buChar char="•"/>
             </a:pPr>
-            <a:r>
-              <a:rPr lang="en-US" altLang="ko-KR" b="1" smtClean="0"/>
-              <a:t>MVC2 </a:t>
-            </a:r>
-            <a:r>
-              <a:rPr lang="ko-KR" altLang="en-US" b="1" smtClean="0"/>
-              <a:t>패턴</a:t>
-            </a:r>
             <a:endParaRPr lang="en-US" altLang="ko-KR" b="1" smtClean="0"/>
           </a:p>
           <a:p>
-            <a:pPr marL="285750" indent="-285750">
-              <a:buFont typeface="Arial" panose="020B0604020202020204" pitchFamily="34" charset="0"/>
-              <a:buChar char="•"/>
-            </a:pPr>
-            <a:r>
-              <a:rPr lang="en-US" altLang="ko-KR" b="1" smtClean="0"/>
-              <a:t>DispatcherServlet</a:t>
-            </a:r>
-          </a:p>
-          <a:p>
-            <a:pPr marL="285750" indent="-285750">
-              <a:buFont typeface="Arial" panose="020B0604020202020204" pitchFamily="34" charset="0"/>
-              <a:buChar char="•"/>
-            </a:pPr>
-            <a:r>
-              <a:rPr lang="en-US" altLang="ko-KR" b="1" smtClean="0"/>
-              <a:t>HttpServletRequest</a:t>
-            </a:r>
-          </a:p>
-          <a:p>
-            <a:pPr marL="285750" indent="-285750">
-              <a:buFont typeface="Arial" panose="020B0604020202020204" pitchFamily="34" charset="0"/>
-              <a:buChar char="•"/>
-            </a:pPr>
-            <a:r>
-              <a:rPr lang="en-US" altLang="ko-KR" b="1"/>
-              <a:t>method = </a:t>
-            </a:r>
-            <a:r>
-              <a:rPr lang="en-US" altLang="ko-KR" b="1" smtClean="0"/>
-              <a:t>requestMethod.GET/POST</a:t>
-            </a:r>
-          </a:p>
-          <a:p>
-            <a:pPr marL="285750" indent="-285750">
-              <a:buFont typeface="Arial" panose="020B0604020202020204" pitchFamily="34" charset="0"/>
-              <a:buChar char="•"/>
-            </a:pPr>
-            <a:r>
-              <a:rPr lang="en-US" altLang="ko-KR" b="1" smtClean="0"/>
-              <a:t>loginView</a:t>
-            </a:r>
-            <a:r>
-              <a:rPr lang="en-US" altLang="ko-KR" b="1"/>
-              <a:t>(@ModelAttribute(“user”))</a:t>
-            </a:r>
-            <a:endParaRPr lang="ko-KR" altLang="en-US" b="1"/>
-          </a:p>
-          <a:p>
-            <a:pPr marL="285750" indent="-285750">
-              <a:buFont typeface="Arial" panose="020B0604020202020204" pitchFamily="34" charset="0"/>
-              <a:buChar char="•"/>
-            </a:pPr>
-            <a:r>
-              <a:rPr lang="en-US" altLang="ko-KR" b="1" smtClean="0"/>
-              <a:t>HttpSession</a:t>
-            </a:r>
-          </a:p>
-          <a:p>
-            <a:pPr marL="285750" indent="-285750">
-              <a:buFont typeface="Arial" panose="020B0604020202020204" pitchFamily="34" charset="0"/>
-              <a:buChar char="•"/>
-            </a:pPr>
-            <a:r>
-              <a:rPr lang="en-US" altLang="ko-KR" b="1" smtClean="0"/>
-              <a:t>@ModelAttribute2</a:t>
-            </a:r>
-          </a:p>
-          <a:p>
-            <a:pPr marL="285750" indent="-285750">
-              <a:buFont typeface="Arial" panose="020B0604020202020204" pitchFamily="34" charset="0"/>
-              <a:buChar char="•"/>
-            </a:pPr>
-            <a:r>
-              <a:rPr lang="en-US" altLang="ko-KR" b="1" smtClean="0"/>
-              <a:t>ContextLoaderListener</a:t>
-            </a:r>
-          </a:p>
-          <a:p>
-            <a:pPr marL="285750" indent="-285750">
-              <a:buFont typeface="Arial" panose="020B0604020202020204" pitchFamily="34" charset="0"/>
-              <a:buChar char="•"/>
-            </a:pPr>
             <a:r>
               <a:rPr lang="en-US" altLang="ko-KR" b="1"/>
               <a:t>DI </a:t>
             </a:r>
             <a:r>
               <a:rPr lang="en-US" altLang="ko-KR" b="1" smtClean="0"/>
-              <a:t>– AutoWired</a:t>
-            </a:r>
-          </a:p>
-          <a:p>
-            <a:pPr marL="285750" indent="-285750">
-              <a:buFont typeface="Arial" panose="020B0604020202020204" pitchFamily="34" charset="0"/>
-              <a:buChar char="•"/>
-            </a:pPr>
+              <a:t>– </a:t>
+            </a:r>
             <a:r>
               <a:rPr lang="en-US" altLang="ko-KR" b="1" smtClean="0"/>
-              <a:t>JSON</a:t>
-            </a:r>
-          </a:p>
-          <a:p>
-            <a:pPr marL="285750" indent="-285750">
-              <a:buFont typeface="Arial" panose="020B0604020202020204" pitchFamily="34" charset="0"/>
-              <a:buChar char="•"/>
-            </a:pPr>
-            <a:r>
-              <a:rPr lang="en-US" altLang="ko-KR" b="1"/>
-              <a:t>H2 </a:t>
-            </a:r>
-            <a:r>
-              <a:rPr lang="en-US" altLang="ko-KR" b="1" smtClean="0"/>
-              <a:t>DataBase</a:t>
-            </a:r>
-          </a:p>
-          <a:p>
-            <a:pPr marL="285750" indent="-285750">
-              <a:buFont typeface="Arial" panose="020B0604020202020204" pitchFamily="34" charset="0"/>
-              <a:buChar char="•"/>
-            </a:pPr>
-            <a:r>
-              <a:rPr lang="en-US" altLang="ko-KR" b="1"/>
-              <a:t>H2 </a:t>
-            </a:r>
-            <a:r>
-              <a:rPr lang="en-US" altLang="ko-KR" b="1" smtClean="0"/>
-              <a:t>DataBase - template</a:t>
-            </a:r>
-          </a:p>
-          <a:p>
-            <a:pPr marL="285750" indent="-285750">
-              <a:buFont typeface="Arial" panose="020B0604020202020204" pitchFamily="34" charset="0"/>
-              <a:buChar char="•"/>
-            </a:pPr>
-            <a:r>
-              <a:rPr lang="en-US" altLang="ko-KR" b="1"/>
-              <a:t>mybatis – spring </a:t>
-            </a:r>
-            <a:r>
-              <a:rPr lang="ko-KR" altLang="en-US" b="1" smtClean="0"/>
-              <a:t>연동</a:t>
-            </a:r>
-            <a:endParaRPr lang="en-US" altLang="ko-KR" b="1" smtClean="0"/>
-          </a:p>
-          <a:p>
-            <a:pPr marL="285750" indent="-285750">
-              <a:buFont typeface="Arial" panose="020B0604020202020204" pitchFamily="34" charset="0"/>
-              <a:buChar char="•"/>
-            </a:pPr>
-            <a:r>
-              <a:rPr lang="en-US" altLang="ko-KR" b="1" smtClean="0"/>
-              <a:t>spring – sqlSession</a:t>
-            </a:r>
-          </a:p>
-          <a:p>
-            <a:pPr marL="285750" indent="-285750">
-              <a:buFont typeface="Arial" panose="020B0604020202020204" pitchFamily="34" charset="0"/>
-              <a:buChar char="•"/>
-            </a:pPr>
-            <a:r>
-              <a:rPr lang="en-US" altLang="ko-KR" b="1"/>
-              <a:t>Mapper </a:t>
-            </a:r>
-            <a:r>
-              <a:rPr lang="en-US" altLang="ko-KR" b="1" smtClean="0"/>
-              <a:t>XML</a:t>
-            </a:r>
-          </a:p>
-          <a:p>
-            <a:pPr marL="285750" indent="-285750">
-              <a:buFont typeface="Arial" panose="020B0604020202020204" pitchFamily="34" charset="0"/>
-              <a:buChar char="•"/>
-            </a:pPr>
-            <a:r>
-              <a:rPr lang="en-US" altLang="ko-KR" b="1" smtClean="0"/>
-              <a:t>typeAliaes</a:t>
-            </a:r>
+              <a:t>AutoWired</a:t>
+            </a:r>
+            <a:endParaRPr lang="ko-KR" altLang="en-US" b="1"/>
           </a:p>
           <a:p>
             <a:pPr marL="285750" indent="-285750">
@@ -13960,27 +13887,6 @@
               <a:buFont typeface="Arial" panose="020B0604020202020204" pitchFamily="34" charset="0"/>
               <a:buChar char="•"/>
             </a:pPr>
-            <a:endParaRPr lang="ko-KR" altLang="en-US" b="1"/>
-          </a:p>
-          <a:p>
-            <a:pPr marL="285750" indent="-285750">
-              <a:buFont typeface="Arial" panose="020B0604020202020204" pitchFamily="34" charset="0"/>
-              <a:buChar char="•"/>
-            </a:pPr>
-            <a:endParaRPr lang="ko-KR" altLang="en-US" b="1"/>
-          </a:p>
-          <a:p>
-            <a:pPr marL="285750" indent="-285750">
-              <a:buFont typeface="Arial" panose="020B0604020202020204" pitchFamily="34" charset="0"/>
-              <a:buChar char="•"/>
-            </a:pPr>
-            <a:endParaRPr lang="ko-KR" altLang="en-US" b="1"/>
-          </a:p>
-          <a:p>
-            <a:pPr marL="285750" indent="-285750">
-              <a:buFont typeface="Arial" panose="020B0604020202020204" pitchFamily="34" charset="0"/>
-              <a:buChar char="•"/>
-            </a:pPr>
             <a:endParaRPr lang="en-US" altLang="ko-KR"/>
           </a:p>
           <a:p>
@@ -14037,8 +13943,8 @@
         </p:nvSpPr>
         <p:spPr>
           <a:xfrm>
-            <a:off x="6298455" y="1535667"/>
-            <a:ext cx="4517987" cy="5078313"/>
+            <a:off x="6156787" y="1394000"/>
+            <a:ext cx="4517987" cy="8125301"/>
           </a:xfrm>
           <a:prstGeom prst="rect">
             <a:avLst/>
@@ -14050,29 +13956,122 @@
             <a:spAutoFit/>
           </a:bodyPr>
           <a:lstStyle/>
+          <a:p>
+            <a:r>
+              <a:rPr lang="en-US" altLang="ko-KR" b="1"/>
+              <a:t>H2 DataBase </a:t>
+            </a:r>
+            <a:r>
+              <a:rPr lang="en-US" altLang="ko-KR" b="1"/>
+              <a:t>– </a:t>
+            </a:r>
+            <a:r>
+              <a:rPr lang="en-US" altLang="ko-KR" b="1" smtClean="0"/>
+              <a:t>template</a:t>
+            </a:r>
+          </a:p>
+          <a:p>
+            <a:endParaRPr lang="en-US" altLang="ko-KR" b="1"/>
+          </a:p>
+          <a:p>
+            <a:r>
+              <a:rPr lang="en-US" altLang="ko-KR" b="1" smtClean="0"/>
+              <a:t>mybatis </a:t>
+            </a:r>
+            <a:r>
+              <a:rPr lang="en-US" altLang="ko-KR" b="1"/>
+              <a:t>– spring </a:t>
+            </a:r>
+            <a:r>
+              <a:rPr lang="ko-KR" altLang="en-US" b="1"/>
+              <a:t>연동</a:t>
+            </a:r>
+            <a:endParaRPr lang="en-US" altLang="ko-KR" b="1"/>
+          </a:p>
           <a:p>
             <a:pPr marL="285750" indent="-285750">
               <a:buFont typeface="Arial" panose="020B0604020202020204" pitchFamily="34" charset="0"/>
               <a:buChar char="•"/>
             </a:pPr>
+            <a:endParaRPr lang="en-US" altLang="ko-KR" b="1"/>
+          </a:p>
+          <a:p>
             <a:r>
               <a:rPr lang="en-US" altLang="ko-KR" b="1"/>
-              <a:t>&lt;select&gt; </a:t>
-            </a:r>
-            <a:r>
-              <a:rPr lang="ko-KR" altLang="en-US" b="1"/>
-              <a:t>엘리먼트</a:t>
-            </a:r>
-            <a:endParaRPr lang="en-US" altLang="ko-KR" b="1"/>
+              <a:t>spring </a:t>
+            </a:r>
+            <a:r>
+              <a:rPr lang="en-US" altLang="ko-KR" b="1"/>
+              <a:t>– </a:t>
+            </a:r>
+            <a:r>
+              <a:rPr lang="en-US" altLang="ko-KR" b="1" smtClean="0"/>
+              <a:t>sqlSession</a:t>
+            </a:r>
+            <a:endParaRPr lang="en-US" altLang="ko-KR" b="1" smtClean="0"/>
           </a:p>
           <a:p>
             <a:pPr marL="285750" indent="-285750">
               <a:buFont typeface="Arial" panose="020B0604020202020204" pitchFamily="34" charset="0"/>
               <a:buChar char="•"/>
             </a:pPr>
-            <a:r>
-              <a:rPr lang="en-US" altLang="ko-KR" b="1"/>
-              <a:t>&lt;resultMap&gt;</a:t>
+            <a:endParaRPr lang="en-US" altLang="ko-KR" b="1"/>
+          </a:p>
+          <a:p>
+            <a:r>
+              <a:rPr lang="en-US" altLang="ko-KR" b="1" smtClean="0"/>
+              <a:t>Mapper XML</a:t>
+            </a:r>
+          </a:p>
+          <a:p>
+            <a:r>
+              <a:rPr lang="en-US" altLang="ko-KR" sz="1400" b="1" smtClean="0"/>
+              <a:t> -typeAliaes</a:t>
+            </a:r>
+            <a:endParaRPr lang="en-US" altLang="ko-KR" sz="1400" b="1"/>
+          </a:p>
+          <a:p>
+            <a:r>
+              <a:rPr lang="en-US" altLang="ko-KR" sz="1400" b="1" smtClean="0"/>
+              <a:t> -&lt;</a:t>
+            </a:r>
+            <a:r>
+              <a:rPr lang="en-US" altLang="ko-KR" sz="1400" b="1"/>
+              <a:t>select&gt;</a:t>
+            </a:r>
+            <a:r>
+              <a:rPr lang="ko-KR" altLang="en-US" sz="1400" b="1"/>
+              <a:t>엘리먼트</a:t>
+            </a:r>
+          </a:p>
+          <a:p>
+            <a:r>
+              <a:rPr lang="en-US" altLang="ko-KR" sz="1400" b="1" smtClean="0"/>
+              <a:t> -&lt;</a:t>
+            </a:r>
+            <a:r>
+              <a:rPr lang="en-US" altLang="ko-KR" sz="1400" b="1"/>
+              <a:t>resultMap&gt;</a:t>
+            </a:r>
+          </a:p>
+          <a:p>
+            <a:r>
+              <a:rPr lang="en-US" altLang="ko-KR" sz="1400" b="1" smtClean="0"/>
+              <a:t> -&lt;![</a:t>
+            </a:r>
+            <a:r>
+              <a:rPr lang="en-US" altLang="ko-KR" sz="1400" b="1"/>
+              <a:t>CDATE[  ]]&gt;</a:t>
+            </a:r>
+          </a:p>
+          <a:p>
+            <a:r>
+              <a:rPr lang="en-US" altLang="ko-KR" sz="1400" b="1" smtClean="0"/>
+              <a:t> -Dynamic </a:t>
+            </a:r>
+            <a:r>
+              <a:rPr lang="en-US" altLang="ko-KR" sz="1400" b="1"/>
+              <a:t>SQL</a:t>
             </a:r>
           </a:p>
           <a:p>
@@ -14080,60 +14079,45 @@
               <a:buFont typeface="Arial" panose="020B0604020202020204" pitchFamily="34" charset="0"/>
               <a:buChar char="•"/>
             </a:pPr>
-            <a:r>
-              <a:rPr lang="en-US" altLang="ko-KR" b="1"/>
-              <a:t>&lt;![CDATA[  </a:t>
-            </a:r>
-            <a:r>
-              <a:rPr lang="en-US" altLang="ko-KR" b="1" smtClean="0"/>
-              <a:t>]]&gt;</a:t>
-            </a:r>
+            <a:endParaRPr lang="en-US" altLang="ko-KR" b="1" smtClean="0"/>
+          </a:p>
+          <a:p>
+            <a:r>
+              <a:rPr lang="ko-KR" altLang="en-US" b="1"/>
+              <a:t>비지니스 </a:t>
+            </a:r>
+            <a:r>
+              <a:rPr lang="ko-KR" altLang="en-US" b="1" smtClean="0"/>
+              <a:t>로직</a:t>
+            </a:r>
+            <a:endParaRPr lang="en-US" altLang="ko-KR" b="1" smtClean="0"/>
           </a:p>
           <a:p>
             <a:pPr marL="285750" indent="-285750">
               <a:buFont typeface="Arial" panose="020B0604020202020204" pitchFamily="34" charset="0"/>
               <a:buChar char="•"/>
             </a:pPr>
-            <a:r>
-              <a:rPr lang="en-US" altLang="ko-KR" b="1" smtClean="0"/>
-              <a:t>Dynamic SQL</a:t>
-            </a:r>
+            <a:endParaRPr lang="en-US" altLang="ko-KR" b="1" smtClean="0"/>
+          </a:p>
+          <a:p>
+            <a:r>
+              <a:rPr lang="ko-KR" altLang="en-US" b="1"/>
+              <a:t>웹 게시판의 </a:t>
+            </a:r>
+            <a:r>
+              <a:rPr lang="ko-KR" altLang="en-US" b="1" smtClean="0"/>
+              <a:t>형태</a:t>
+            </a:r>
+            <a:endParaRPr lang="en-US" altLang="ko-KR" b="1" smtClean="0"/>
           </a:p>
           <a:p>
             <a:pPr marL="285750" indent="-285750">
               <a:buFont typeface="Arial" panose="020B0604020202020204" pitchFamily="34" charset="0"/>
               <a:buChar char="•"/>
             </a:pPr>
-            <a:r>
-              <a:rPr lang="ko-KR" altLang="en-US" b="1"/>
-              <a:t>비지니스 </a:t>
-            </a:r>
-            <a:r>
-              <a:rPr lang="ko-KR" altLang="en-US" b="1" smtClean="0"/>
-              <a:t>로직</a:t>
-            </a:r>
             <a:endParaRPr lang="en-US" altLang="ko-KR" b="1" smtClean="0"/>
           </a:p>
           <a:p>
-            <a:pPr marL="285750" indent="-285750">
-              <a:buFont typeface="Arial" panose="020B0604020202020204" pitchFamily="34" charset="0"/>
-              <a:buChar char="•"/>
-            </a:pPr>
-            <a:r>
-              <a:rPr lang="ko-KR" altLang="en-US" b="1"/>
-              <a:t>웹 게시판의 </a:t>
-            </a:r>
-            <a:r>
-              <a:rPr lang="ko-KR" altLang="en-US" b="1" smtClean="0"/>
-              <a:t>형태</a:t>
-            </a:r>
-            <a:endParaRPr lang="en-US" altLang="ko-KR" b="1" smtClean="0"/>
-          </a:p>
-          <a:p>
-            <a:pPr marL="285750" indent="-285750">
-              <a:buFont typeface="Arial" panose="020B0604020202020204" pitchFamily="34" charset="0"/>
-              <a:buChar char="•"/>
-            </a:pPr>
             <a:r>
               <a:rPr lang="ko-KR" altLang="en-US" b="1" smtClean="0"/>
               <a:t>마치며</a:t>
@@ -24557,11 +24541,7 @@
             </a:pPr>
             <a:r>
               <a:rPr lang="ko-KR" altLang="en-US" b="1" smtClean="0"/>
-              <a:t>검색 창에 제목 또는 내용을 </a:t>
-            </a:r>
-            <a:r>
-              <a:rPr lang="ko-KR" altLang="en-US" b="1" smtClean="0"/>
-              <a:t>선택하는 변수 </a:t>
+              <a:t>검색 창에 제목 또는 내용을 선택하는 변수 </a:t>
             </a:r>
             <a:r>
               <a:rPr lang="en-US" altLang="ko-KR" b="1" smtClean="0"/>
@@ -24580,15 +24560,7 @@
             </a:br>
             <a:r>
               <a:rPr lang="en-US" altLang="ko-KR" b="1" smtClean="0"/>
-              <a:t>‘</a:t>
-            </a:r>
-            <a:r>
-              <a:rPr lang="en-US" altLang="ko-KR" b="1" smtClean="0"/>
-              <a:t>TITLE</a:t>
-            </a:r>
-            <a:r>
-              <a:rPr lang="en-US" altLang="ko-KR" b="1" smtClean="0"/>
-              <a:t>’</a:t>
+              <a:t>‘TITLE’</a:t>
             </a:r>
             <a:r>
               <a:rPr lang="ko-KR" altLang="en-US" b="1" smtClean="0"/>

--- a/H2DB_SpringWebBoardProject/H2 DataBase_Spring을_이용한_Web게시판.pptx
+++ b/H2DB_SpringWebBoardProject/H2 DataBase_Spring을_이용한_Web게시판.pptx
@@ -352,7 +352,7 @@
             <a:fld id="{B61BEF0D-F0BB-DE4B-95CE-6DB70DBA9567}" type="datetimeFigureOut">
               <a:rPr lang="en-US" dirty="0"/>
               <a:pPr/>
-              <a:t>11/18/2022</a:t>
+              <a:t>11/22/2022</a:t>
             </a:fld>
             <a:endParaRPr lang="en-US" dirty="0"/>
           </a:p>
@@ -687,7 +687,7 @@
             <a:fld id="{B61BEF0D-F0BB-DE4B-95CE-6DB70DBA9567}" type="datetimeFigureOut">
               <a:rPr lang="en-US" dirty="0"/>
               <a:pPr/>
-              <a:t>11/18/2022</a:t>
+              <a:t>11/22/2022</a:t>
             </a:fld>
             <a:endParaRPr lang="en-US" dirty="0"/>
           </a:p>
@@ -1085,7 +1085,7 @@
             <a:fld id="{B61BEF0D-F0BB-DE4B-95CE-6DB70DBA9567}" type="datetimeFigureOut">
               <a:rPr lang="en-US" dirty="0"/>
               <a:pPr/>
-              <a:t>11/18/2022</a:t>
+              <a:t>11/22/2022</a:t>
             </a:fld>
             <a:endParaRPr lang="en-US" dirty="0"/>
           </a:p>
@@ -1418,7 +1418,7 @@
             <a:fld id="{B61BEF0D-F0BB-DE4B-95CE-6DB70DBA9567}" type="datetimeFigureOut">
               <a:rPr lang="en-US" dirty="0"/>
               <a:pPr/>
-              <a:t>11/18/2022</a:t>
+              <a:t>11/22/2022</a:t>
             </a:fld>
             <a:endParaRPr lang="en-US" dirty="0"/>
           </a:p>
@@ -1735,7 +1735,7 @@
             <a:fld id="{B61BEF0D-F0BB-DE4B-95CE-6DB70DBA9567}" type="datetimeFigureOut">
               <a:rPr lang="en-US" dirty="0"/>
               <a:pPr/>
-              <a:t>11/18/2022</a:t>
+              <a:t>11/22/2022</a:t>
             </a:fld>
             <a:endParaRPr lang="en-US" dirty="0"/>
           </a:p>
@@ -2128,7 +2128,7 @@
             <a:fld id="{B61BEF0D-F0BB-DE4B-95CE-6DB70DBA9567}" type="datetimeFigureOut">
               <a:rPr lang="en-US" dirty="0"/>
               <a:pPr/>
-              <a:t>11/18/2022</a:t>
+              <a:t>11/22/2022</a:t>
             </a:fld>
             <a:endParaRPr lang="en-US" dirty="0"/>
           </a:p>
@@ -2382,7 +2382,7 @@
             <a:fld id="{B61BEF0D-F0BB-DE4B-95CE-6DB70DBA9567}" type="datetimeFigureOut">
               <a:rPr lang="en-US" dirty="0"/>
               <a:pPr/>
-              <a:t>11/18/2022</a:t>
+              <a:t>11/22/2022</a:t>
             </a:fld>
             <a:endParaRPr lang="en-US" dirty="0"/>
           </a:p>
@@ -2641,7 +2641,7 @@
             <a:fld id="{B61BEF0D-F0BB-DE4B-95CE-6DB70DBA9567}" type="datetimeFigureOut">
               <a:rPr lang="en-US" dirty="0"/>
               <a:pPr/>
-              <a:t>11/18/2022</a:t>
+              <a:t>11/22/2022</a:t>
             </a:fld>
             <a:endParaRPr lang="en-US" dirty="0"/>
           </a:p>
@@ -2900,7 +2900,7 @@
             <a:fld id="{B61BEF0D-F0BB-DE4B-95CE-6DB70DBA9567}" type="datetimeFigureOut">
               <a:rPr lang="en-US" dirty="0"/>
               <a:pPr/>
-              <a:t>11/18/2022</a:t>
+              <a:t>11/22/2022</a:t>
             </a:fld>
             <a:endParaRPr lang="en-US" dirty="0"/>
           </a:p>
@@ -3226,7 +3226,7 @@
             <a:fld id="{B61BEF0D-F0BB-DE4B-95CE-6DB70DBA9567}" type="datetimeFigureOut">
               <a:rPr lang="en-US" dirty="0"/>
               <a:pPr/>
-              <a:t>11/18/2022</a:t>
+              <a:t>11/22/2022</a:t>
             </a:fld>
             <a:endParaRPr lang="en-US" dirty="0"/>
           </a:p>
@@ -3546,7 +3546,7 @@
             <a:fld id="{B61BEF0D-F0BB-DE4B-95CE-6DB70DBA9567}" type="datetimeFigureOut">
               <a:rPr lang="en-US" dirty="0"/>
               <a:pPr/>
-              <a:t>11/18/2022</a:t>
+              <a:t>11/22/2022</a:t>
             </a:fld>
             <a:endParaRPr lang="en-US" dirty="0"/>
           </a:p>
@@ -4000,7 +4000,7 @@
             <a:fld id="{B61BEF0D-F0BB-DE4B-95CE-6DB70DBA9567}" type="datetimeFigureOut">
               <a:rPr lang="en-US" dirty="0"/>
               <a:pPr/>
-              <a:t>11/18/2022</a:t>
+              <a:t>11/22/2022</a:t>
             </a:fld>
             <a:endParaRPr lang="en-US" dirty="0"/>
           </a:p>
@@ -4202,7 +4202,7 @@
             <a:fld id="{B61BEF0D-F0BB-DE4B-95CE-6DB70DBA9567}" type="datetimeFigureOut">
               <a:rPr lang="en-US" dirty="0"/>
               <a:pPr/>
-              <a:t>11/18/2022</a:t>
+              <a:t>11/22/2022</a:t>
             </a:fld>
             <a:endParaRPr lang="en-US" dirty="0"/>
           </a:p>
@@ -4376,7 +4376,7 @@
             <a:fld id="{B61BEF0D-F0BB-DE4B-95CE-6DB70DBA9567}" type="datetimeFigureOut">
               <a:rPr lang="en-US" dirty="0"/>
               <a:pPr/>
-              <a:t>11/18/2022</a:t>
+              <a:t>11/22/2022</a:t>
             </a:fld>
             <a:endParaRPr lang="en-US" dirty="0"/>
           </a:p>
@@ -4706,7 +4706,7 @@
             <a:fld id="{B61BEF0D-F0BB-DE4B-95CE-6DB70DBA9567}" type="datetimeFigureOut">
               <a:rPr lang="en-US" dirty="0"/>
               <a:pPr/>
-              <a:t>11/18/2022</a:t>
+              <a:t>11/22/2022</a:t>
             </a:fld>
             <a:endParaRPr lang="en-US" dirty="0"/>
           </a:p>
@@ -5048,7 +5048,7 @@
             <a:fld id="{B61BEF0D-F0BB-DE4B-95CE-6DB70DBA9567}" type="datetimeFigureOut">
               <a:rPr lang="en-US" dirty="0"/>
               <a:pPr/>
-              <a:t>11/18/2022</a:t>
+              <a:t>11/22/2022</a:t>
             </a:fld>
             <a:endParaRPr lang="en-US" dirty="0"/>
           </a:p>
@@ -7162,7 +7162,7 @@
             <a:fld id="{B61BEF0D-F0BB-DE4B-95CE-6DB70DBA9567}" type="datetimeFigureOut">
               <a:rPr lang="en-US" dirty="0"/>
               <a:pPr/>
-              <a:t>11/18/2022</a:t>
+              <a:t>11/22/2022</a:t>
             </a:fld>
             <a:endParaRPr lang="en-US" dirty="0"/>
           </a:p>
@@ -13693,8 +13693,8 @@
         </p:nvSpPr>
         <p:spPr>
           <a:xfrm>
-            <a:off x="2914461" y="1394000"/>
-            <a:ext cx="4517987" cy="6740307"/>
+            <a:off x="2488771" y="1535667"/>
+            <a:ext cx="4517987" cy="7201972"/>
           </a:xfrm>
           <a:prstGeom prst="rect">
             <a:avLst/>
@@ -13708,19 +13708,135 @@
           <a:lstStyle/>
           <a:p>
             <a:r>
-              <a:rPr lang="ko-KR" altLang="en-US" b="1" smtClean="0"/>
-              <a:t>기술요소</a:t>
-            </a:r>
+              <a:rPr lang="ko-KR" altLang="en-US" sz="2000" b="1" smtClean="0"/>
+              <a:t>개발 환경</a:t>
+            </a:r>
+            <a:endParaRPr lang="en-US" altLang="ko-KR" sz="2000" b="1" smtClean="0"/>
+          </a:p>
+          <a:p>
+            <a:r>
+              <a:rPr lang="en-US" altLang="ko-KR" sz="1400" smtClean="0"/>
+              <a:t>-spring, mybatis, h2 database</a:t>
+            </a:r>
+          </a:p>
+          <a:p>
             <a:endParaRPr lang="en-US" altLang="ko-KR" b="1" smtClean="0"/>
           </a:p>
           <a:p>
             <a:r>
-              <a:rPr lang="en-US" altLang="ko-KR" b="1"/>
-              <a:t> </a:t>
-            </a:r>
-            <a:r>
-              <a:rPr lang="en-US" altLang="ko-KR" sz="1400" b="1" smtClean="0"/>
-              <a:t>-spring, mybatis, h2</a:t>
+              <a:rPr lang="en-US" altLang="ko-KR" sz="2000" b="1" smtClean="0"/>
+              <a:t>Servlet</a:t>
+            </a:r>
+          </a:p>
+          <a:p>
+            <a:r>
+              <a:rPr lang="en-US" altLang="ko-KR" sz="1400" smtClean="0"/>
+              <a:t>-MVC1 </a:t>
+            </a:r>
+            <a:r>
+              <a:rPr lang="ko-KR" altLang="en-US" sz="1400" smtClean="0"/>
+              <a:t>패턴</a:t>
+            </a:r>
+            <a:endParaRPr lang="en-US" altLang="ko-KR" sz="1400" smtClean="0"/>
+          </a:p>
+          <a:p>
+            <a:r>
+              <a:rPr lang="en-US" altLang="ko-KR" sz="1400" smtClean="0"/>
+              <a:t>-MVC2 </a:t>
+            </a:r>
+            <a:r>
+              <a:rPr lang="ko-KR" altLang="en-US" sz="1400" smtClean="0"/>
+              <a:t>패턴</a:t>
+            </a:r>
+            <a:endParaRPr lang="en-US" altLang="ko-KR" sz="1400" smtClean="0"/>
+          </a:p>
+          <a:p>
+            <a:r>
+              <a:rPr lang="en-US" altLang="ko-KR" sz="1400" smtClean="0"/>
+              <a:t>-DispatcherServlet</a:t>
+            </a:r>
+            <a:endParaRPr lang="en-US" altLang="ko-KR" sz="1400" smtClean="0"/>
+          </a:p>
+          <a:p>
+            <a:r>
+              <a:rPr lang="en-US" altLang="ko-KR" sz="1400" smtClean="0"/>
+              <a:t>-HttpServletRequest</a:t>
+            </a:r>
+            <a:endParaRPr lang="en-US" altLang="ko-KR" sz="1400" smtClean="0"/>
+          </a:p>
+          <a:p>
+            <a:r>
+              <a:rPr lang="en-US" altLang="ko-KR" sz="1400" smtClean="0"/>
+              <a:t>-method </a:t>
+            </a:r>
+            <a:r>
+              <a:rPr lang="en-US" altLang="ko-KR" sz="1400"/>
+              <a:t>= </a:t>
+            </a:r>
+            <a:r>
+              <a:rPr lang="en-US" altLang="ko-KR" sz="1400" smtClean="0"/>
+              <a:t>requestMethod.GET/POST</a:t>
+            </a:r>
+          </a:p>
+          <a:p>
+            <a:r>
+              <a:rPr lang="en-US" altLang="ko-KR" sz="1400" smtClean="0"/>
+              <a:t>-loginView</a:t>
+            </a:r>
+            <a:r>
+              <a:rPr lang="en-US" altLang="ko-KR" sz="1400"/>
+              <a:t>(@ModelAttribute(“user</a:t>
+            </a:r>
+            <a:r>
+              <a:rPr lang="en-US" altLang="ko-KR" sz="1400" smtClean="0"/>
+              <a:t>”))</a:t>
+            </a:r>
+          </a:p>
+          <a:p>
+            <a:endParaRPr lang="ko-KR" altLang="en-US" b="1"/>
+          </a:p>
+          <a:p>
+            <a:r>
+              <a:rPr lang="en-US" altLang="ko-KR" sz="2000" b="1" smtClean="0"/>
+              <a:t>Session</a:t>
+            </a:r>
+          </a:p>
+          <a:p>
+            <a:r>
+              <a:rPr lang="en-US" altLang="ko-KR" sz="1400" smtClean="0"/>
+              <a:t>-HttpSession</a:t>
+            </a:r>
+            <a:endParaRPr lang="en-US" altLang="ko-KR" sz="1400" smtClean="0"/>
+          </a:p>
+          <a:p>
+            <a:r>
+              <a:rPr lang="en-US" altLang="ko-KR" sz="1400" smtClean="0"/>
+              <a:t>-@</a:t>
+            </a:r>
+            <a:r>
+              <a:rPr lang="en-US" altLang="ko-KR" sz="1400" smtClean="0"/>
+              <a:t>ModelAttribute2</a:t>
+            </a:r>
+          </a:p>
+          <a:p>
+            <a:r>
+              <a:rPr lang="en-US" altLang="ko-KR" sz="1400" smtClean="0"/>
+              <a:t>-ContextLoaderListener</a:t>
+            </a:r>
+            <a:endParaRPr lang="en-US" altLang="ko-KR" sz="1400" smtClean="0"/>
+          </a:p>
+          <a:p>
+            <a:r>
+              <a:rPr lang="en-US" altLang="ko-KR" sz="1400" smtClean="0"/>
+              <a:t>-DI </a:t>
+            </a:r>
+            <a:r>
+              <a:rPr lang="en-US" altLang="ko-KR" sz="1400" smtClean="0"/>
+              <a:t>– </a:t>
+            </a:r>
+            <a:r>
+              <a:rPr lang="en-US" altLang="ko-KR" sz="1400" smtClean="0"/>
+              <a:t>AutoWired</a:t>
             </a:r>
           </a:p>
           <a:p>
@@ -13729,137 +13845,8 @@
           <a:p>
             <a:r>
               <a:rPr lang="en-US" altLang="ko-KR" b="1" smtClean="0"/>
-              <a:t>MVC</a:t>
-            </a:r>
-          </a:p>
-          <a:p>
-            <a:r>
-              <a:rPr lang="en-US" altLang="ko-KR" b="1"/>
-              <a:t> </a:t>
-            </a:r>
-            <a:r>
-              <a:rPr lang="en-US" altLang="ko-KR" sz="1400" b="1" smtClean="0"/>
-              <a:t>-1</a:t>
-            </a:r>
-            <a:r>
-              <a:rPr lang="ko-KR" altLang="en-US" sz="1400" b="1" smtClean="0"/>
-              <a:t>패턴</a:t>
-            </a:r>
-            <a:endParaRPr lang="en-US" altLang="ko-KR" sz="1400" b="1" smtClean="0"/>
-          </a:p>
-          <a:p>
-            <a:r>
-              <a:rPr lang="en-US" altLang="ko-KR" sz="1400" b="1"/>
-              <a:t> </a:t>
-            </a:r>
-            <a:r>
-              <a:rPr lang="en-US" altLang="ko-KR" sz="1400" b="1" smtClean="0"/>
-              <a:t>-2</a:t>
-            </a:r>
-            <a:r>
-              <a:rPr lang="ko-KR" altLang="en-US" sz="1400" b="1" smtClean="0"/>
-              <a:t>패턴</a:t>
-            </a:r>
-            <a:endParaRPr lang="en-US" altLang="ko-KR" sz="1400" b="1" smtClean="0"/>
-          </a:p>
-          <a:p>
-            <a:endParaRPr lang="en-US" altLang="ko-KR" b="1" smtClean="0"/>
-          </a:p>
-          <a:p>
-            <a:r>
-              <a:rPr lang="en-US" altLang="ko-KR" b="1" smtClean="0"/>
-              <a:t>Servlet</a:t>
-            </a:r>
-          </a:p>
-          <a:p>
-            <a:r>
-              <a:rPr lang="en-US" altLang="ko-KR" b="1"/>
-              <a:t> </a:t>
-            </a:r>
-            <a:r>
-              <a:rPr lang="en-US" altLang="ko-KR" sz="1400" b="1" smtClean="0"/>
-              <a:t>-DispatcherServlet</a:t>
-            </a:r>
-          </a:p>
-          <a:p>
-            <a:r>
-              <a:rPr lang="en-US" altLang="ko-KR" sz="1400" b="1"/>
-              <a:t> </a:t>
-            </a:r>
-            <a:r>
-              <a:rPr lang="en-US" altLang="ko-KR" sz="1400" b="1" smtClean="0"/>
-              <a:t>-HttpServletRequest</a:t>
-            </a:r>
-          </a:p>
-          <a:p>
-            <a:r>
-              <a:rPr lang="en-US" altLang="ko-KR" sz="1400" b="1"/>
-              <a:t> </a:t>
-            </a:r>
-            <a:r>
-              <a:rPr lang="en-US" altLang="ko-KR" sz="1400" b="1" smtClean="0"/>
-              <a:t>-RequestMethod</a:t>
-            </a:r>
-            <a:endParaRPr lang="en-US" altLang="ko-KR" sz="1400" b="1" smtClean="0"/>
-          </a:p>
-          <a:p>
-            <a:pPr marL="285750" indent="-285750">
-              <a:buFont typeface="Arial" panose="020B0604020202020204" pitchFamily="34" charset="0"/>
-              <a:buChar char="•"/>
-            </a:pPr>
-            <a:endParaRPr lang="en-US" altLang="ko-KR" b="1" smtClean="0"/>
-          </a:p>
-          <a:p>
-            <a:r>
-              <a:rPr lang="en-US" altLang="ko-KR" b="1" smtClean="0"/>
-              <a:t>HttpSession</a:t>
-            </a:r>
-          </a:p>
-          <a:p>
-            <a:r>
-              <a:rPr lang="en-US" altLang="ko-KR" b="1"/>
-              <a:t> </a:t>
-            </a:r>
-            <a:r>
-              <a:rPr lang="en-US" altLang="ko-KR" sz="1400" b="1" smtClean="0"/>
-              <a:t>-@modelAttribute</a:t>
-            </a:r>
-            <a:endParaRPr lang="en-US" altLang="ko-KR" sz="1400" b="1" smtClean="0"/>
-          </a:p>
-          <a:p>
-            <a:pPr marL="285750" indent="-285750">
-              <a:buFont typeface="Arial" panose="020B0604020202020204" pitchFamily="34" charset="0"/>
-              <a:buChar char="•"/>
-            </a:pPr>
-            <a:endParaRPr lang="en-US" altLang="ko-KR" b="1" smtClean="0"/>
-          </a:p>
-          <a:p>
-            <a:r>
-              <a:rPr lang="en-US" altLang="ko-KR" b="1" smtClean="0"/>
-              <a:t>ContextLoaderListener</a:t>
-            </a:r>
-          </a:p>
-          <a:p>
-            <a:pPr marL="285750" indent="-285750">
-              <a:buFont typeface="Arial" panose="020B0604020202020204" pitchFamily="34" charset="0"/>
-              <a:buChar char="•"/>
-            </a:pPr>
-            <a:endParaRPr lang="en-US" altLang="ko-KR" b="1" smtClean="0"/>
-          </a:p>
-          <a:p>
-            <a:r>
-              <a:rPr lang="en-US" altLang="ko-KR" b="1"/>
-              <a:t>DI </a:t>
-            </a:r>
-            <a:r>
-              <a:rPr lang="en-US" altLang="ko-KR" b="1" smtClean="0"/>
-              <a:t>– </a:t>
-            </a:r>
-            <a:r>
-              <a:rPr lang="en-US" altLang="ko-KR" b="1" smtClean="0"/>
-              <a:t>AutoWired</a:t>
-            </a:r>
-            <a:endParaRPr lang="ko-KR" altLang="en-US" b="1"/>
+              <a:t>JSON</a:t>
+            </a:r>
           </a:p>
           <a:p>
             <a:pPr marL="285750" indent="-285750">
@@ -13887,6 +13874,27 @@
               <a:buFont typeface="Arial" panose="020B0604020202020204" pitchFamily="34" charset="0"/>
               <a:buChar char="•"/>
             </a:pPr>
+            <a:endParaRPr lang="ko-KR" altLang="en-US" b="1"/>
+          </a:p>
+          <a:p>
+            <a:pPr marL="285750" indent="-285750">
+              <a:buFont typeface="Arial" panose="020B0604020202020204" pitchFamily="34" charset="0"/>
+              <a:buChar char="•"/>
+            </a:pPr>
+            <a:endParaRPr lang="ko-KR" altLang="en-US" b="1"/>
+          </a:p>
+          <a:p>
+            <a:pPr marL="285750" indent="-285750">
+              <a:buFont typeface="Arial" panose="020B0604020202020204" pitchFamily="34" charset="0"/>
+              <a:buChar char="•"/>
+            </a:pPr>
+            <a:endParaRPr lang="ko-KR" altLang="en-US" b="1"/>
+          </a:p>
+          <a:p>
+            <a:pPr marL="285750" indent="-285750">
+              <a:buFont typeface="Arial" panose="020B0604020202020204" pitchFamily="34" charset="0"/>
+              <a:buChar char="•"/>
+            </a:pPr>
             <a:endParaRPr lang="en-US" altLang="ko-KR"/>
           </a:p>
           <a:p>
@@ -13943,8 +13951,8 @@
         </p:nvSpPr>
         <p:spPr>
           <a:xfrm>
-            <a:off x="6156787" y="1394000"/>
-            <a:ext cx="4517987" cy="8125301"/>
+            <a:off x="5969271" y="1535142"/>
+            <a:ext cx="4517987" cy="7786747"/>
           </a:xfrm>
           <a:prstGeom prst="rect">
             <a:avLst/>
@@ -13958,132 +13966,145 @@
           <a:lstStyle/>
           <a:p>
             <a:r>
+              <a:rPr lang="en-US" altLang="ko-KR" b="1" smtClean="0"/>
+              <a:t>SQL Session</a:t>
+            </a:r>
+          </a:p>
+          <a:p>
+            <a:r>
+              <a:rPr lang="en-US" altLang="ko-KR" sz="1400" smtClean="0"/>
+              <a:t>-H2 </a:t>
+            </a:r>
+            <a:r>
+              <a:rPr lang="en-US" altLang="ko-KR" sz="1400"/>
+              <a:t>DataBase</a:t>
+            </a:r>
+          </a:p>
+          <a:p>
+            <a:r>
+              <a:rPr lang="en-US" altLang="ko-KR" sz="1400" smtClean="0"/>
+              <a:t>-H2 </a:t>
+            </a:r>
+            <a:r>
+              <a:rPr lang="en-US" altLang="ko-KR" sz="1400"/>
+              <a:t>DataBase </a:t>
+            </a:r>
+            <a:r>
+              <a:rPr lang="en-US" altLang="ko-KR" sz="1400" smtClean="0"/>
+              <a:t>– template</a:t>
+            </a:r>
+            <a:endParaRPr lang="en-US" altLang="ko-KR" sz="1400"/>
+          </a:p>
+          <a:p>
+            <a:r>
+              <a:rPr lang="en-US" altLang="ko-KR" sz="1400" smtClean="0"/>
+              <a:t>-mybatis </a:t>
+            </a:r>
+            <a:r>
+              <a:rPr lang="en-US" altLang="ko-KR" sz="1400"/>
+              <a:t>– spring </a:t>
+            </a:r>
+            <a:r>
+              <a:rPr lang="ko-KR" altLang="en-US" sz="1400"/>
+              <a:t>연동</a:t>
+            </a:r>
+            <a:endParaRPr lang="en-US" altLang="ko-KR" sz="1400"/>
+          </a:p>
+          <a:p>
+            <a:r>
+              <a:rPr lang="en-US" altLang="ko-KR" sz="1400" smtClean="0"/>
+              <a:t>-spring</a:t>
+            </a:r>
+          </a:p>
+          <a:p>
+            <a:r>
+              <a:rPr lang="en-US" altLang="ko-KR" sz="1400" smtClean="0"/>
+              <a:t>– </a:t>
+            </a:r>
+            <a:r>
+              <a:rPr lang="en-US" altLang="ko-KR" sz="1400"/>
+              <a:t>sqlSession</a:t>
+            </a:r>
+          </a:p>
+          <a:p>
+            <a:endParaRPr lang="en-US" altLang="ko-KR" b="1" smtClean="0"/>
+          </a:p>
+          <a:p>
+            <a:r>
+              <a:rPr lang="en-US" altLang="ko-KR" b="1" smtClean="0"/>
+              <a:t>Mapper </a:t>
+            </a:r>
+            <a:r>
               <a:rPr lang="en-US" altLang="ko-KR" b="1"/>
-              <a:t>H2 DataBase </a:t>
-            </a:r>
-            <a:r>
-              <a:rPr lang="en-US" altLang="ko-KR" b="1"/>
-              <a:t>– </a:t>
-            </a:r>
-            <a:r>
-              <a:rPr lang="en-US" altLang="ko-KR" b="1" smtClean="0"/>
-              <a:t>template</a:t>
-            </a:r>
-          </a:p>
-          <a:p>
-            <a:endParaRPr lang="en-US" altLang="ko-KR" b="1"/>
-          </a:p>
-          <a:p>
-            <a:r>
-              <a:rPr lang="en-US" altLang="ko-KR" b="1" smtClean="0"/>
-              <a:t>mybatis </a:t>
-            </a:r>
-            <a:r>
-              <a:rPr lang="en-US" altLang="ko-KR" b="1"/>
-              <a:t>– spring </a:t>
-            </a:r>
-            <a:r>
-              <a:rPr lang="ko-KR" altLang="en-US" b="1"/>
-              <a:t>연동</a:t>
-            </a:r>
-            <a:endParaRPr lang="en-US" altLang="ko-KR" b="1"/>
-          </a:p>
-          <a:p>
-            <a:pPr marL="285750" indent="-285750">
-              <a:buFont typeface="Arial" panose="020B0604020202020204" pitchFamily="34" charset="0"/>
-              <a:buChar char="•"/>
-            </a:pPr>
-            <a:endParaRPr lang="en-US" altLang="ko-KR" b="1"/>
-          </a:p>
-          <a:p>
-            <a:r>
-              <a:rPr lang="en-US" altLang="ko-KR" b="1"/>
-              <a:t>spring </a:t>
-            </a:r>
-            <a:r>
-              <a:rPr lang="en-US" altLang="ko-KR" b="1"/>
-              <a:t>– </a:t>
-            </a:r>
-            <a:r>
-              <a:rPr lang="en-US" altLang="ko-KR" b="1" smtClean="0"/>
-              <a:t>sqlSession</a:t>
-            </a:r>
+              <a:t>XML</a:t>
+            </a:r>
+          </a:p>
+          <a:p>
+            <a:r>
+              <a:rPr lang="en-US" altLang="ko-KR" sz="1400" smtClean="0"/>
+              <a:t>-typeAliaes</a:t>
+            </a:r>
+            <a:endParaRPr lang="en-US" altLang="ko-KR" sz="1400"/>
+          </a:p>
+          <a:p>
+            <a:r>
+              <a:rPr lang="en-US" altLang="ko-KR" sz="1400"/>
+              <a:t>-</a:t>
+            </a:r>
+            <a:r>
+              <a:rPr lang="en-US" altLang="ko-KR" sz="1400" smtClean="0"/>
+              <a:t>&lt;</a:t>
+            </a:r>
+            <a:r>
+              <a:rPr lang="en-US" altLang="ko-KR" sz="1400"/>
+              <a:t>select&gt; </a:t>
+            </a:r>
+            <a:r>
+              <a:rPr lang="ko-KR" altLang="en-US" sz="1400"/>
+              <a:t>엘리먼트</a:t>
+            </a:r>
+            <a:endParaRPr lang="en-US" altLang="ko-KR" sz="1400"/>
+          </a:p>
+          <a:p>
+            <a:r>
+              <a:rPr lang="en-US" altLang="ko-KR" sz="1400" smtClean="0"/>
+              <a:t>-&lt;</a:t>
+            </a:r>
+            <a:r>
+              <a:rPr lang="en-US" altLang="ko-KR" sz="1400"/>
+              <a:t>resultMap&gt;</a:t>
+            </a:r>
+          </a:p>
+          <a:p>
+            <a:r>
+              <a:rPr lang="en-US" altLang="ko-KR" sz="1400" smtClean="0"/>
+              <a:t>-&lt;![</a:t>
+            </a:r>
+            <a:r>
+              <a:rPr lang="en-US" altLang="ko-KR" sz="1400"/>
+              <a:t>CDATA[  </a:t>
+            </a:r>
+            <a:r>
+              <a:rPr lang="en-US" altLang="ko-KR" sz="1400" smtClean="0"/>
+              <a:t>]]&gt;</a:t>
+            </a:r>
+          </a:p>
+          <a:p>
+            <a:r>
+              <a:rPr lang="en-US" altLang="ko-KR" sz="1400" smtClean="0"/>
+              <a:t>-Dynamic </a:t>
+            </a:r>
+            <a:r>
+              <a:rPr lang="en-US" altLang="ko-KR" sz="1400" smtClean="0"/>
+              <a:t>SQL</a:t>
+            </a:r>
+          </a:p>
+          <a:p>
             <a:endParaRPr lang="en-US" altLang="ko-KR" b="1" smtClean="0"/>
           </a:p>
           <a:p>
-            <a:pPr marL="285750" indent="-285750">
-              <a:buFont typeface="Arial" panose="020B0604020202020204" pitchFamily="34" charset="0"/>
-              <a:buChar char="•"/>
-            </a:pPr>
-            <a:endParaRPr lang="en-US" altLang="ko-KR" b="1"/>
-          </a:p>
-          <a:p>
-            <a:r>
-              <a:rPr lang="en-US" altLang="ko-KR" b="1" smtClean="0"/>
-              <a:t>Mapper XML</a:t>
-            </a:r>
-          </a:p>
-          <a:p>
-            <a:r>
-              <a:rPr lang="en-US" altLang="ko-KR" sz="1400" b="1" smtClean="0"/>
-              <a:t> -typeAliaes</a:t>
-            </a:r>
-            <a:endParaRPr lang="en-US" altLang="ko-KR" sz="1400" b="1"/>
-          </a:p>
-          <a:p>
-            <a:r>
-              <a:rPr lang="en-US" altLang="ko-KR" sz="1400" b="1" smtClean="0"/>
-              <a:t> -&lt;</a:t>
-            </a:r>
-            <a:r>
-              <a:rPr lang="en-US" altLang="ko-KR" sz="1400" b="1"/>
-              <a:t>select&gt;</a:t>
-            </a:r>
-            <a:r>
-              <a:rPr lang="ko-KR" altLang="en-US" sz="1400" b="1"/>
-              <a:t>엘리먼트</a:t>
-            </a:r>
-          </a:p>
-          <a:p>
-            <a:r>
-              <a:rPr lang="en-US" altLang="ko-KR" sz="1400" b="1" smtClean="0"/>
-              <a:t> -&lt;</a:t>
-            </a:r>
-            <a:r>
-              <a:rPr lang="en-US" altLang="ko-KR" sz="1400" b="1"/>
-              <a:t>resultMap&gt;</a:t>
-            </a:r>
-          </a:p>
-          <a:p>
-            <a:r>
-              <a:rPr lang="en-US" altLang="ko-KR" sz="1400" b="1" smtClean="0"/>
-              <a:t> -&lt;![</a:t>
-            </a:r>
-            <a:r>
-              <a:rPr lang="en-US" altLang="ko-KR" sz="1400" b="1"/>
-              <a:t>CDATE[  ]]&gt;</a:t>
-            </a:r>
-          </a:p>
-          <a:p>
-            <a:r>
-              <a:rPr lang="en-US" altLang="ko-KR" sz="1400" b="1" smtClean="0"/>
-              <a:t> -Dynamic </a:t>
-            </a:r>
-            <a:r>
-              <a:rPr lang="en-US" altLang="ko-KR" sz="1400" b="1"/>
-              <a:t>SQL</a:t>
-            </a:r>
-          </a:p>
-          <a:p>
-            <a:pPr marL="285750" indent="-285750">
-              <a:buFont typeface="Arial" panose="020B0604020202020204" pitchFamily="34" charset="0"/>
-              <a:buChar char="•"/>
-            </a:pPr>
-            <a:endParaRPr lang="en-US" altLang="ko-KR" b="1" smtClean="0"/>
-          </a:p>
-          <a:p>
-            <a:r>
-              <a:rPr lang="ko-KR" altLang="en-US" b="1"/>
+            <a:r>
+              <a:rPr lang="ko-KR" altLang="en-US" b="1" smtClean="0"/>
               <a:t>비지니스 </a:t>
             </a:r>
             <a:r>
@@ -14093,16 +14114,16 @@
             <a:endParaRPr lang="en-US" altLang="ko-KR" b="1" smtClean="0"/>
           </a:p>
           <a:p>
-            <a:pPr marL="285750" indent="-285750">
-              <a:buFont typeface="Arial" panose="020B0604020202020204" pitchFamily="34" charset="0"/>
-              <a:buChar char="•"/>
-            </a:pPr>
             <a:endParaRPr lang="en-US" altLang="ko-KR" b="1" smtClean="0"/>
           </a:p>
           <a:p>
             <a:r>
+              <a:rPr lang="ko-KR" altLang="en-US" b="1" smtClean="0"/>
+              <a:t>웹 </a:t>
+            </a:r>
+            <a:r>
               <a:rPr lang="ko-KR" altLang="en-US" b="1"/>
-              <a:t>웹 게시판의 </a:t>
+              <a:t>게시판의 </a:t>
             </a:r>
             <a:r>
               <a:rPr lang="ko-KR" altLang="en-US" b="1" smtClean="0"/>
@@ -14111,10 +14132,6 @@
             <a:endParaRPr lang="en-US" altLang="ko-KR" b="1" smtClean="0"/>
           </a:p>
           <a:p>
-            <a:pPr marL="285750" indent="-285750">
-              <a:buFont typeface="Arial" panose="020B0604020202020204" pitchFamily="34" charset="0"/>
-              <a:buChar char="•"/>
-            </a:pPr>
             <a:endParaRPr lang="en-US" altLang="ko-KR" b="1" smtClean="0"/>
           </a:p>
           <a:p>
